--- a/Docs/01_Presentation.pptx
+++ b/Docs/01_Presentation.pptx
@@ -3304,7 +3304,7 @@
           <a:p>
             <a:fld id="{BA7999EA-AB7F-8048-9A99-8D9A60A8BA42}" type="datetimeFigureOut">
               <a:rPr lang="es-ES_tradnl" smtClean="0"/>
-              <a:t>23/02/2024</a:t>
+              <a:t>26/02/2024</a:t>
             </a:fld>
             <a:endParaRPr lang="es-ES_tradnl"/>
           </a:p>
@@ -3481,7 +3481,7 @@
           <a:p>
             <a:fld id="{387106C7-4001-AA47-A92E-668736E84AB3}" type="datetimeFigureOut">
               <a:rPr lang="es-ES_tradnl" smtClean="0"/>
-              <a:t>23/02/2024</a:t>
+              <a:t>26/02/2024</a:t>
             </a:fld>
             <a:endParaRPr lang="es-ES_tradnl"/>
           </a:p>
@@ -4319,7 +4319,7 @@
           <a:p>
             <a:fld id="{161A3CCA-1E6C-EB44-A8A9-5354F7913251}" type="datetimeFigureOut">
               <a:rPr lang="es-ES_tradnl" smtClean="0"/>
-              <a:t>23/02/2024</a:t>
+              <a:t>26/02/2024</a:t>
             </a:fld>
             <a:endParaRPr lang="es-ES_tradnl"/>
           </a:p>
@@ -4519,7 +4519,7 @@
           <a:p>
             <a:fld id="{161A3CCA-1E6C-EB44-A8A9-5354F7913251}" type="datetimeFigureOut">
               <a:rPr lang="es-ES_tradnl" smtClean="0"/>
-              <a:t>23/02/2024</a:t>
+              <a:t>26/02/2024</a:t>
             </a:fld>
             <a:endParaRPr lang="es-ES_tradnl"/>
           </a:p>
@@ -4729,7 +4729,7 @@
           <a:p>
             <a:fld id="{161A3CCA-1E6C-EB44-A8A9-5354F7913251}" type="datetimeFigureOut">
               <a:rPr lang="es-ES_tradnl" smtClean="0"/>
-              <a:t>23/02/2024</a:t>
+              <a:t>26/02/2024</a:t>
             </a:fld>
             <a:endParaRPr lang="es-ES_tradnl"/>
           </a:p>
@@ -4951,7 +4951,7 @@
           <a:p>
             <a:fld id="{750B8D07-1DCE-0B4B-BBEA-4AF68771CBC5}" type="datetimeFigureOut">
               <a:rPr lang="es-ES_tradnl" smtClean="0"/>
-              <a:t>23/02/2024</a:t>
+              <a:t>26/02/2024</a:t>
             </a:fld>
             <a:endParaRPr lang="es-ES_tradnl"/>
           </a:p>
@@ -5151,7 +5151,7 @@
           <a:p>
             <a:fld id="{750B8D07-1DCE-0B4B-BBEA-4AF68771CBC5}" type="datetimeFigureOut">
               <a:rPr lang="es-ES_tradnl" smtClean="0"/>
-              <a:t>23/02/2024</a:t>
+              <a:t>26/02/2024</a:t>
             </a:fld>
             <a:endParaRPr lang="es-ES_tradnl"/>
           </a:p>
@@ -5427,7 +5427,7 @@
           <a:p>
             <a:fld id="{750B8D07-1DCE-0B4B-BBEA-4AF68771CBC5}" type="datetimeFigureOut">
               <a:rPr lang="es-ES_tradnl" smtClean="0"/>
-              <a:t>23/02/2024</a:t>
+              <a:t>26/02/2024</a:t>
             </a:fld>
             <a:endParaRPr lang="es-ES_tradnl"/>
           </a:p>
@@ -5695,7 +5695,7 @@
           <a:p>
             <a:fld id="{750B8D07-1DCE-0B4B-BBEA-4AF68771CBC5}" type="datetimeFigureOut">
               <a:rPr lang="es-ES_tradnl" smtClean="0"/>
-              <a:t>23/02/2024</a:t>
+              <a:t>26/02/2024</a:t>
             </a:fld>
             <a:endParaRPr lang="es-ES_tradnl"/>
           </a:p>
@@ -6110,7 +6110,7 @@
           <a:p>
             <a:fld id="{750B8D07-1DCE-0B4B-BBEA-4AF68771CBC5}" type="datetimeFigureOut">
               <a:rPr lang="es-ES_tradnl" smtClean="0"/>
-              <a:t>23/02/2024</a:t>
+              <a:t>26/02/2024</a:t>
             </a:fld>
             <a:endParaRPr lang="es-ES_tradnl"/>
           </a:p>
@@ -6252,7 +6252,7 @@
           <a:p>
             <a:fld id="{750B8D07-1DCE-0B4B-BBEA-4AF68771CBC5}" type="datetimeFigureOut">
               <a:rPr lang="es-ES_tradnl" smtClean="0"/>
-              <a:t>23/02/2024</a:t>
+              <a:t>26/02/2024</a:t>
             </a:fld>
             <a:endParaRPr lang="es-ES_tradnl"/>
           </a:p>
@@ -6365,7 +6365,7 @@
           <a:p>
             <a:fld id="{750B8D07-1DCE-0B4B-BBEA-4AF68771CBC5}" type="datetimeFigureOut">
               <a:rPr lang="es-ES_tradnl" smtClean="0"/>
-              <a:t>23/02/2024</a:t>
+              <a:t>26/02/2024</a:t>
             </a:fld>
             <a:endParaRPr lang="es-ES_tradnl"/>
           </a:p>
@@ -6678,7 +6678,7 @@
           <a:p>
             <a:fld id="{750B8D07-1DCE-0B4B-BBEA-4AF68771CBC5}" type="datetimeFigureOut">
               <a:rPr lang="es-ES_tradnl" smtClean="0"/>
-              <a:t>23/02/2024</a:t>
+              <a:t>26/02/2024</a:t>
             </a:fld>
             <a:endParaRPr lang="es-ES_tradnl"/>
           </a:p>
@@ -6878,7 +6878,7 @@
           <a:p>
             <a:fld id="{161A3CCA-1E6C-EB44-A8A9-5354F7913251}" type="datetimeFigureOut">
               <a:rPr lang="es-ES_tradnl" smtClean="0"/>
-              <a:t>23/02/2024</a:t>
+              <a:t>26/02/2024</a:t>
             </a:fld>
             <a:endParaRPr lang="es-ES_tradnl"/>
           </a:p>
@@ -7167,7 +7167,7 @@
           <a:p>
             <a:fld id="{750B8D07-1DCE-0B4B-BBEA-4AF68771CBC5}" type="datetimeFigureOut">
               <a:rPr lang="es-ES_tradnl" smtClean="0"/>
-              <a:t>23/02/2024</a:t>
+              <a:t>26/02/2024</a:t>
             </a:fld>
             <a:endParaRPr lang="es-ES_tradnl"/>
           </a:p>
@@ -7367,7 +7367,7 @@
           <a:p>
             <a:fld id="{750B8D07-1DCE-0B4B-BBEA-4AF68771CBC5}" type="datetimeFigureOut">
               <a:rPr lang="es-ES_tradnl" smtClean="0"/>
-              <a:t>23/02/2024</a:t>
+              <a:t>26/02/2024</a:t>
             </a:fld>
             <a:endParaRPr lang="es-ES_tradnl"/>
           </a:p>
@@ -7577,7 +7577,7 @@
           <a:p>
             <a:fld id="{750B8D07-1DCE-0B4B-BBEA-4AF68771CBC5}" type="datetimeFigureOut">
               <a:rPr lang="es-ES_tradnl" smtClean="0"/>
-              <a:t>23/02/2024</a:t>
+              <a:t>26/02/2024</a:t>
             </a:fld>
             <a:endParaRPr lang="es-ES_tradnl"/>
           </a:p>
@@ -7853,7 +7853,7 @@
           <a:p>
             <a:fld id="{161A3CCA-1E6C-EB44-A8A9-5354F7913251}" type="datetimeFigureOut">
               <a:rPr lang="es-ES_tradnl" smtClean="0"/>
-              <a:t>23/02/2024</a:t>
+              <a:t>26/02/2024</a:t>
             </a:fld>
             <a:endParaRPr lang="es-ES_tradnl"/>
           </a:p>
@@ -8121,7 +8121,7 @@
           <a:p>
             <a:fld id="{161A3CCA-1E6C-EB44-A8A9-5354F7913251}" type="datetimeFigureOut">
               <a:rPr lang="es-ES_tradnl" smtClean="0"/>
-              <a:t>23/02/2024</a:t>
+              <a:t>26/02/2024</a:t>
             </a:fld>
             <a:endParaRPr lang="es-ES_tradnl"/>
           </a:p>
@@ -8536,7 +8536,7 @@
           <a:p>
             <a:fld id="{161A3CCA-1E6C-EB44-A8A9-5354F7913251}" type="datetimeFigureOut">
               <a:rPr lang="es-ES_tradnl" smtClean="0"/>
-              <a:t>23/02/2024</a:t>
+              <a:t>26/02/2024</a:t>
             </a:fld>
             <a:endParaRPr lang="es-ES_tradnl"/>
           </a:p>
@@ -8678,7 +8678,7 @@
           <a:p>
             <a:fld id="{161A3CCA-1E6C-EB44-A8A9-5354F7913251}" type="datetimeFigureOut">
               <a:rPr lang="es-ES_tradnl" smtClean="0"/>
-              <a:t>23/02/2024</a:t>
+              <a:t>26/02/2024</a:t>
             </a:fld>
             <a:endParaRPr lang="es-ES_tradnl"/>
           </a:p>
@@ -8791,7 +8791,7 @@
           <a:p>
             <a:fld id="{161A3CCA-1E6C-EB44-A8A9-5354F7913251}" type="datetimeFigureOut">
               <a:rPr lang="es-ES_tradnl" smtClean="0"/>
-              <a:t>23/02/2024</a:t>
+              <a:t>26/02/2024</a:t>
             </a:fld>
             <a:endParaRPr lang="es-ES_tradnl"/>
           </a:p>
@@ -9104,7 +9104,7 @@
           <a:p>
             <a:fld id="{161A3CCA-1E6C-EB44-A8A9-5354F7913251}" type="datetimeFigureOut">
               <a:rPr lang="es-ES_tradnl" smtClean="0"/>
-              <a:t>23/02/2024</a:t>
+              <a:t>26/02/2024</a:t>
             </a:fld>
             <a:endParaRPr lang="es-ES_tradnl"/>
           </a:p>
@@ -9393,7 +9393,7 @@
           <a:p>
             <a:fld id="{161A3CCA-1E6C-EB44-A8A9-5354F7913251}" type="datetimeFigureOut">
               <a:rPr lang="es-ES_tradnl" smtClean="0"/>
-              <a:t>23/02/2024</a:t>
+              <a:t>26/02/2024</a:t>
             </a:fld>
             <a:endParaRPr lang="es-ES_tradnl"/>
           </a:p>
@@ -9638,7 +9638,7 @@
             <a:fld id="{161A3CCA-1E6C-EB44-A8A9-5354F7913251}" type="datetimeFigureOut">
               <a:rPr lang="es-ES_tradnl" smtClean="0"/>
               <a:pPr/>
-              <a:t>23/02/2024</a:t>
+              <a:t>26/02/2024</a:t>
             </a:fld>
             <a:endParaRPr lang="es-ES_tradnl"/>
           </a:p>
@@ -10208,7 +10208,7 @@
           <a:p>
             <a:fld id="{750B8D07-1DCE-0B4B-BBEA-4AF68771CBC5}" type="datetimeFigureOut">
               <a:rPr lang="es-ES_tradnl" smtClean="0"/>
-              <a:t>23/02/2024</a:t>
+              <a:t>26/02/2024</a:t>
             </a:fld>
             <a:endParaRPr lang="es-ES_tradnl"/>
           </a:p>
@@ -10845,8 +10845,8 @@
         </p:nvSpPr>
         <p:spPr>
           <a:xfrm>
-            <a:off x="8986611" y="6154615"/>
-            <a:ext cx="3205386" cy="629329"/>
+            <a:off x="7607300" y="6154615"/>
+            <a:ext cx="4584697" cy="629329"/>
           </a:xfrm>
         </p:spPr>
         <p:txBody>
@@ -10873,7 +10873,7 @@
                   <a:schemeClr val="tx1"/>
                 </a:solidFill>
               </a:rPr>
-              <a:t>https://github.com/franvazgom</a:t>
+              <a:t>https://github.com/franvazgom/DAW-python/</a:t>
             </a:r>
           </a:p>
         </p:txBody>
